--- a/slides/L9 BVA.pptx
+++ b/slides/L9 BVA.pptx
@@ -15438,10 +15438,34 @@
           <a:lstStyle/>
           <a:p>
             <a:r>
-              <a:rPr lang="en-US" dirty="0"/>
-              <a:t>Consider the program for the determination of nature of roots of a quadratic equation as explained in example 3.1. Design the Robust test case and worst test cases for this program.</a:t>
-            </a:r>
-            <a:endParaRPr lang="en-US" dirty="0"/>
+              <a:rPr lang="en-US" sz="2400" dirty="0"/>
+              <a:t>Consider the program for the determination of nature of roots of a quadratic equation as explained in example 3.1. Design the </a:t>
+            </a:r>
+            <a:r>
+              <a:rPr lang="en-US" sz="2400" dirty="0">
+                <a:solidFill>
+                  <a:srgbClr val="FF0000"/>
+                </a:solidFill>
+              </a:rPr>
+              <a:t>Robust test case</a:t>
+            </a:r>
+            <a:r>
+              <a:rPr lang="en-US" sz="2400" dirty="0"/>
+              <a:t> and </a:t>
+            </a:r>
+            <a:r>
+              <a:rPr lang="en-US" sz="2400" dirty="0">
+                <a:solidFill>
+                  <a:srgbClr val="FF0000"/>
+                </a:solidFill>
+              </a:rPr>
+              <a:t>worst test cases</a:t>
+            </a:r>
+            <a:r>
+              <a:rPr lang="en-US" sz="2400" dirty="0"/>
+              <a:t> for this program.</a:t>
+            </a:r>
+            <a:endParaRPr lang="en-US" sz="2400" dirty="0"/>
           </a:p>
         </p:txBody>
       </p:sp>
@@ -15586,10 +15610,34 @@
               <a:buNone/>
             </a:pPr>
             <a:r>
-              <a:rPr lang="en-US" sz="2800" dirty="0"/>
-              <a:t>Consider the program for the determination of previous date in a calendar as explained in example  3.3. Design the robust and worst test case for this program</a:t>
-            </a:r>
-            <a:endParaRPr lang="en-US" sz="2800" dirty="0"/>
+              <a:rPr lang="en-US" sz="2400" dirty="0"/>
+              <a:t>Consider the program for the determination of previous date in a calendar as explained in example  3.3. Design the</a:t>
+            </a:r>
+            <a:r>
+              <a:rPr lang="en-US" sz="2400" dirty="0">
+                <a:solidFill>
+                  <a:srgbClr val="FF0000"/>
+                </a:solidFill>
+              </a:rPr>
+              <a:t> robust</a:t>
+            </a:r>
+            <a:r>
+              <a:rPr lang="en-US" sz="2400" dirty="0"/>
+              <a:t> and </a:t>
+            </a:r>
+            <a:r>
+              <a:rPr lang="en-US" sz="2400" dirty="0">
+                <a:solidFill>
+                  <a:srgbClr val="FF0000"/>
+                </a:solidFill>
+              </a:rPr>
+              <a:t>worst test case</a:t>
+            </a:r>
+            <a:r>
+              <a:rPr lang="en-US" sz="2400" dirty="0"/>
+              <a:t> for this program</a:t>
+            </a:r>
+            <a:endParaRPr lang="en-US" sz="2400" dirty="0"/>
           </a:p>
         </p:txBody>
       </p:sp>
@@ -15662,8 +15710,8 @@
         </p:nvSpPr>
         <p:spPr>
           <a:xfrm>
-            <a:off x="1981200" y="1447801"/>
-            <a:ext cx="8229600" cy="5201285"/>
+            <a:off x="1075690" y="1447800"/>
+            <a:ext cx="9709785" cy="5201285"/>
           </a:xfrm>
         </p:spPr>
         <p:txBody>
@@ -15862,8 +15910,8 @@
         </p:nvSpPr>
         <p:spPr>
           <a:xfrm>
-            <a:off x="1981200" y="1447801"/>
-            <a:ext cx="8229600" cy="4525963"/>
+            <a:off x="953135" y="1447800"/>
+            <a:ext cx="9825355" cy="4526280"/>
           </a:xfrm>
         </p:spPr>
         <p:txBody>
@@ -16051,8 +16099,8 @@
         </p:blipFill>
         <p:spPr>
           <a:xfrm>
-            <a:off x="2184401" y="1447800"/>
-            <a:ext cx="7942263" cy="4343400"/>
+            <a:off x="1181100" y="1447800"/>
+            <a:ext cx="9761855" cy="4343400"/>
           </a:xfrm>
           <a:prstGeom prst="rect">
             <a:avLst/>
@@ -16100,7 +16148,7 @@
         </p:nvSpPr>
         <p:spPr>
           <a:xfrm>
-            <a:off x="1981200" y="304800"/>
+            <a:off x="1981200" y="232410"/>
             <a:ext cx="8229600" cy="1143000"/>
           </a:xfrm>
         </p:spPr>
@@ -16148,8 +16196,8 @@
         </p:blipFill>
         <p:spPr>
           <a:xfrm>
-            <a:off x="2154238" y="1460501"/>
-            <a:ext cx="7924800" cy="4594225"/>
+            <a:off x="890270" y="1193800"/>
+            <a:ext cx="10035540" cy="4860925"/>
           </a:xfrm>
           <a:prstGeom prst="rect">
             <a:avLst/>

--- a/slides/L9 BVA.pptx
+++ b/slides/L9 BVA.pptx
@@ -24,6 +24,7 @@
     <p:sldId id="426" r:id="rId19"/>
     <p:sldId id="427" r:id="rId20"/>
     <p:sldId id="425" r:id="rId21"/>
+    <p:sldId id="430" r:id="rId22"/>
   </p:sldIdLst>
   <p:sldSz cx="12192000" cy="6858000"/>
   <p:notesSz cx="6858000" cy="9144000"/>
@@ -15249,7 +15250,22 @@
               <a:rPr lang="en-US" sz="2000" dirty="0">
                 <a:sym typeface="+mn-ea"/>
               </a:rPr>
-              <a:t>test cases for BVA. Our two variables example will have </a:t>
+              <a:t>test cases for BVA. </a:t>
+            </a:r>
+            <a:endParaRPr lang="en-US" sz="2000" dirty="0">
+              <a:sym typeface="+mn-ea"/>
+            </a:endParaRPr>
+          </a:p>
+          <a:p>
+            <a:pPr>
+              <a:buFont typeface="Wingdings" panose="05000000000000000000" charset="0"/>
+              <a:buChar char=""/>
+            </a:pPr>
+            <a:r>
+              <a:rPr lang="en-US" sz="2000" dirty="0">
+                <a:sym typeface="+mn-ea"/>
+              </a:rPr>
+              <a:t>Our two variables example will have </a:t>
             </a:r>
             <a:r>
               <a:rPr lang="en-US" sz="2000" b="1" i="1" dirty="0">
@@ -15638,6 +15654,74 @@
               <a:t> for this program</a:t>
             </a:r>
             <a:endParaRPr lang="en-US" sz="2400" dirty="0"/>
+          </a:p>
+        </p:txBody>
+      </p:sp>
+    </p:spTree>
+  </p:cSld>
+  <p:clrMapOvr>
+    <a:masterClrMapping/>
+  </p:clrMapOvr>
+</p:sld>
+</file>
+
+<file path=ppt/slides/slide19.xml><?xml version="1.0" encoding="utf-8"?>
+<p:sld xmlns:a="http://schemas.openxmlformats.org/drawingml/2006/main" xmlns:r="http://schemas.openxmlformats.org/officeDocument/2006/relationships" xmlns:p="http://schemas.openxmlformats.org/presentationml/2006/main">
+  <p:cSld>
+    <p:spTree>
+      <p:nvGrpSpPr>
+        <p:cNvPr id="1" name=""/>
+        <p:cNvGrpSpPr/>
+        <p:nvPr/>
+      </p:nvGrpSpPr>
+      <p:grpSpPr/>
+      <p:sp>
+        <p:nvSpPr>
+          <p:cNvPr id="2" name="Title 1"/>
+          <p:cNvSpPr>
+            <a:spLocks noGrp="1"/>
+          </p:cNvSpPr>
+          <p:nvPr>
+            <p:ph type="title"/>
+          </p:nvPr>
+        </p:nvSpPr>
+        <p:spPr/>
+        <p:txBody>
+          <a:bodyPr/>
+          <a:p>
+            <a:endParaRPr lang="en-US"/>
+          </a:p>
+        </p:txBody>
+      </p:sp>
+      <p:sp>
+        <p:nvSpPr>
+          <p:cNvPr id="3" name="Content Placeholder 2"/>
+          <p:cNvSpPr>
+            <a:spLocks noGrp="1"/>
+          </p:cNvSpPr>
+          <p:nvPr>
+            <p:ph idx="1"/>
+          </p:nvPr>
+        </p:nvSpPr>
+        <p:spPr>
+          <a:xfrm>
+            <a:off x="1984375" y="2600960"/>
+            <a:ext cx="7127875" cy="608965"/>
+          </a:xfrm>
+        </p:spPr>
+        <p:txBody>
+          <a:bodyPr>
+            <a:noAutofit/>
+          </a:bodyPr>
+          <a:p>
+            <a:pPr marL="0" indent="0">
+              <a:buNone/>
+            </a:pPr>
+            <a:r>
+              <a:rPr lang="en-US" sz="3600" b="1"/>
+              <a:t>Thank you for your attention!</a:t>
+            </a:r>
+            <a:endParaRPr lang="en-US" sz="3600" b="1"/>
           </a:p>
         </p:txBody>
       </p:sp>
